--- a/INGE/INGE-Volume1-Issue1.pptx
+++ b/INGE/INGE-Volume1-Issue1.pptx
@@ -5,12 +5,14 @@
     <p:sldMasterId id="2147483648" r:id="rId1"/>
   </p:sldMasterIdLst>
   <p:notesMasterIdLst>
-    <p:notesMasterId r:id="rId5"/>
+    <p:notesMasterId r:id="rId7"/>
   </p:notesMasterIdLst>
   <p:sldIdLst>
     <p:sldId id="256" r:id="rId2"/>
     <p:sldId id="257" r:id="rId3"/>
     <p:sldId id="258" r:id="rId4"/>
+    <p:sldId id="259" r:id="rId5"/>
+    <p:sldId id="260" r:id="rId6"/>
   </p:sldIdLst>
   <p:sldSz cx="12192000" cy="6858000"/>
   <p:notesSz cx="6858000" cy="9144000"/>
@@ -109,6 +111,11 @@
       </a:defRPr>
     </a:lvl9pPr>
   </p:defaultTextStyle>
+  <p:extLst>
+    <p:ext uri="{EFAFB233-063F-42B5-8137-9DF3F51BA10A}">
+      <p15:sldGuideLst xmlns:p15="http://schemas.microsoft.com/office/powerpoint/2012/main"/>
+    </p:ext>
+  </p:extLst>
 </p:presentation>
 </file>
 
@@ -194,7 +201,7 @@
           <a:p>
             <a:fld id="{191976FA-7A33-4B45-9B51-723F93407C83}" type="datetimeFigureOut">
               <a:rPr kumimoji="1" lang="ja-JP" altLang="en-US" smtClean="0"/>
-              <a:t>2025/4/9</a:t>
+              <a:t>2025/4/16</a:t>
             </a:fld>
             <a:endParaRPr kumimoji="1" lang="ja-JP" altLang="en-US"/>
           </a:p>
@@ -711,6 +718,398 @@
 </p:notes>
 </file>
 
+<file path=ppt/notesSlides/notesSlide3.xml><?xml version="1.0" encoding="utf-8"?>
+<p:notes xmlns:a="http://schemas.openxmlformats.org/drawingml/2006/main" xmlns:r="http://schemas.openxmlformats.org/officeDocument/2006/relationships" xmlns:p="http://schemas.openxmlformats.org/presentationml/2006/main">
+  <p:cSld>
+    <p:spTree>
+      <p:nvGrpSpPr>
+        <p:cNvPr id="1" name=""/>
+        <p:cNvGrpSpPr/>
+        <p:nvPr/>
+      </p:nvGrpSpPr>
+      <p:grpSpPr>
+        <a:xfrm>
+          <a:off x="0" y="0"/>
+          <a:ext cx="0" cy="0"/>
+          <a:chOff x="0" y="0"/>
+          <a:chExt cx="0" cy="0"/>
+        </a:xfrm>
+      </p:grpSpPr>
+      <p:sp>
+        <p:nvSpPr>
+          <p:cNvPr id="2" name="Slide Image Placeholder 1"/>
+          <p:cNvSpPr>
+            <a:spLocks noGrp="1" noRot="1" noChangeAspect="1"/>
+          </p:cNvSpPr>
+          <p:nvPr>
+            <p:ph type="sldImg"/>
+          </p:nvPr>
+        </p:nvSpPr>
+        <p:spPr/>
+      </p:sp>
+      <p:sp>
+        <p:nvSpPr>
+          <p:cNvPr id="3" name="Notes Placeholder 2"/>
+          <p:cNvSpPr>
+            <a:spLocks noGrp="1"/>
+          </p:cNvSpPr>
+          <p:nvPr>
+            <p:ph type="body" idx="1"/>
+          </p:nvPr>
+        </p:nvSpPr>
+        <p:spPr/>
+        <p:txBody>
+          <a:bodyPr/>
+          <a:lstStyle/>
+          <a:p>
+            <a:pPr marL="0" marR="0" lvl="0" indent="0" algn="l" defTabSz="914400" rtl="0" eaLnBrk="1" fontAlgn="auto" latinLnBrk="0" hangingPunct="1">
+              <a:lnSpc>
+                <a:spcPct val="100000"/>
+              </a:lnSpc>
+              <a:spcBef>
+                <a:spcPts val="0"/>
+              </a:spcBef>
+              <a:spcAft>
+                <a:spcPts val="0"/>
+              </a:spcAft>
+              <a:buClrTx/>
+              <a:buSzTx/>
+              <a:buFontTx/>
+              <a:buNone/>
+              <a:tabLst/>
+              <a:defRPr/>
+            </a:pPr>
+            <a:r>
+              <a:rPr kumimoji="1" lang="ja-JP" altLang="en-US" dirty="0"/>
+              <a:t>”</a:t>
+            </a:r>
+            <a:r>
+              <a:rPr lang="en-US" altLang="ja-JP" b="1" i="0" dirty="0">
+                <a:solidFill>
+                  <a:srgbClr val="FFFFFF"/>
+                </a:solidFill>
+                <a:effectLst/>
+                <a:latin typeface="Merriweather Sans" pitchFamily="2" charset="0"/>
+              </a:rPr>
+              <a:t> Rho–tau embedding and gauge freedom in information geometry</a:t>
+            </a:r>
+            <a:r>
+              <a:rPr kumimoji="1" lang="ja-JP" altLang="en-US" b="1" i="0" dirty="0">
+                <a:solidFill>
+                  <a:srgbClr val="FFFFFF"/>
+                </a:solidFill>
+                <a:effectLst/>
+                <a:latin typeface="Merriweather Sans" pitchFamily="2" charset="0"/>
+              </a:rPr>
+              <a:t>“</a:t>
+            </a:r>
+            <a:endParaRPr kumimoji="1" lang="en-US" altLang="ja-JP" b="1" i="0" dirty="0">
+              <a:solidFill>
+                <a:srgbClr val="FFFFFF"/>
+              </a:solidFill>
+              <a:effectLst/>
+              <a:latin typeface="Merriweather Sans" pitchFamily="2" charset="0"/>
+            </a:endParaRPr>
+          </a:p>
+          <a:p>
+            <a:pPr marL="0" marR="0" lvl="0" indent="0" algn="l" defTabSz="914400" rtl="0" eaLnBrk="1" fontAlgn="auto" latinLnBrk="0" hangingPunct="1">
+              <a:lnSpc>
+                <a:spcPct val="100000"/>
+              </a:lnSpc>
+              <a:spcBef>
+                <a:spcPts val="0"/>
+              </a:spcBef>
+              <a:spcAft>
+                <a:spcPts val="0"/>
+              </a:spcAft>
+              <a:buClrTx/>
+              <a:buSzTx/>
+              <a:buFontTx/>
+              <a:buNone/>
+              <a:tabLst/>
+              <a:defRPr/>
+            </a:pPr>
+            <a:endParaRPr kumimoji="1" lang="en-US" altLang="ja-JP" b="1" i="0" dirty="0">
+              <a:solidFill>
+                <a:srgbClr val="FFFFFF"/>
+              </a:solidFill>
+              <a:effectLst/>
+              <a:latin typeface="Merriweather Sans" pitchFamily="2" charset="0"/>
+            </a:endParaRPr>
+          </a:p>
+          <a:p>
+            <a:pPr marL="0" marR="0" lvl="0" indent="0" algn="l" defTabSz="914400" rtl="0" eaLnBrk="1" fontAlgn="auto" latinLnBrk="0" hangingPunct="1">
+              <a:lnSpc>
+                <a:spcPct val="100000"/>
+              </a:lnSpc>
+              <a:spcBef>
+                <a:spcPts val="0"/>
+              </a:spcBef>
+              <a:spcAft>
+                <a:spcPts val="0"/>
+              </a:spcAft>
+              <a:buClrTx/>
+              <a:buSzTx/>
+              <a:buFontTx/>
+              <a:buNone/>
+              <a:tabLst/>
+              <a:defRPr/>
+            </a:pPr>
+            <a:r>
+              <a:rPr kumimoji="1" lang="en-US" altLang="ja-JP" b="1" i="0" dirty="0">
+                <a:solidFill>
+                  <a:srgbClr val="FFFFFF"/>
+                </a:solidFill>
+                <a:effectLst/>
+                <a:latin typeface="Merriweather Sans" pitchFamily="2" charset="0"/>
+              </a:rPr>
+              <a:t>https://link.springer.com/article/10.1007/s41884-018-0004-6</a:t>
+            </a:r>
+          </a:p>
+          <a:p>
+            <a:pPr marL="0" marR="0" lvl="0" indent="0" algn="l" defTabSz="914400" rtl="0" eaLnBrk="1" fontAlgn="auto" latinLnBrk="0" hangingPunct="1">
+              <a:lnSpc>
+                <a:spcPct val="100000"/>
+              </a:lnSpc>
+              <a:spcBef>
+                <a:spcPts val="0"/>
+              </a:spcBef>
+              <a:spcAft>
+                <a:spcPts val="0"/>
+              </a:spcAft>
+              <a:buClrTx/>
+              <a:buSzTx/>
+              <a:buFontTx/>
+              <a:buNone/>
+              <a:tabLst/>
+              <a:defRPr/>
+            </a:pPr>
+            <a:endParaRPr lang="en-US" altLang="ja-JP" b="1" i="0" dirty="0">
+              <a:solidFill>
+                <a:srgbClr val="FFFFFF"/>
+              </a:solidFill>
+              <a:effectLst/>
+              <a:latin typeface="Merriweather Sans" pitchFamily="2" charset="0"/>
+            </a:endParaRPr>
+          </a:p>
+        </p:txBody>
+      </p:sp>
+      <p:sp>
+        <p:nvSpPr>
+          <p:cNvPr id="4" name="Slide Number Placeholder 3"/>
+          <p:cNvSpPr>
+            <a:spLocks noGrp="1"/>
+          </p:cNvSpPr>
+          <p:nvPr>
+            <p:ph type="sldNum" sz="quarter" idx="5"/>
+          </p:nvPr>
+        </p:nvSpPr>
+        <p:spPr/>
+        <p:txBody>
+          <a:bodyPr/>
+          <a:lstStyle/>
+          <a:p>
+            <a:fld id="{7E527131-68F5-4A38-BF16-B5248DCE9B0A}" type="slidenum">
+              <a:rPr kumimoji="1" lang="ja-JP" altLang="en-US" smtClean="0"/>
+              <a:t>4</a:t>
+            </a:fld>
+            <a:endParaRPr kumimoji="1" lang="ja-JP" altLang="en-US"/>
+          </a:p>
+        </p:txBody>
+      </p:sp>
+    </p:spTree>
+    <p:extLst>
+      <p:ext uri="{BB962C8B-B14F-4D97-AF65-F5344CB8AC3E}">
+        <p14:creationId xmlns:p14="http://schemas.microsoft.com/office/powerpoint/2010/main" val="1373510170"/>
+      </p:ext>
+    </p:extLst>
+  </p:cSld>
+  <p:clrMapOvr>
+    <a:masterClrMapping/>
+  </p:clrMapOvr>
+</p:notes>
+</file>
+
+<file path=ppt/notesSlides/notesSlide4.xml><?xml version="1.0" encoding="utf-8"?>
+<p:notes xmlns:a="http://schemas.openxmlformats.org/drawingml/2006/main" xmlns:r="http://schemas.openxmlformats.org/officeDocument/2006/relationships" xmlns:p="http://schemas.openxmlformats.org/presentationml/2006/main">
+  <p:cSld>
+    <p:spTree>
+      <p:nvGrpSpPr>
+        <p:cNvPr id="1" name=""/>
+        <p:cNvGrpSpPr/>
+        <p:nvPr/>
+      </p:nvGrpSpPr>
+      <p:grpSpPr>
+        <a:xfrm>
+          <a:off x="0" y="0"/>
+          <a:ext cx="0" cy="0"/>
+          <a:chOff x="0" y="0"/>
+          <a:chExt cx="0" cy="0"/>
+        </a:xfrm>
+      </p:grpSpPr>
+      <p:sp>
+        <p:nvSpPr>
+          <p:cNvPr id="2" name="Slide Image Placeholder 1"/>
+          <p:cNvSpPr>
+            <a:spLocks noGrp="1" noRot="1" noChangeAspect="1"/>
+          </p:cNvSpPr>
+          <p:nvPr>
+            <p:ph type="sldImg"/>
+          </p:nvPr>
+        </p:nvSpPr>
+        <p:spPr/>
+      </p:sp>
+      <p:sp>
+        <p:nvSpPr>
+          <p:cNvPr id="3" name="Notes Placeholder 2"/>
+          <p:cNvSpPr>
+            <a:spLocks noGrp="1"/>
+          </p:cNvSpPr>
+          <p:nvPr>
+            <p:ph type="body" idx="1"/>
+          </p:nvPr>
+        </p:nvSpPr>
+        <p:spPr/>
+        <p:txBody>
+          <a:bodyPr/>
+          <a:lstStyle/>
+          <a:p>
+            <a:pPr marL="0" marR="0" lvl="0" indent="0" algn="l" defTabSz="914400" rtl="0" eaLnBrk="1" fontAlgn="auto" latinLnBrk="0" hangingPunct="1">
+              <a:lnSpc>
+                <a:spcPct val="100000"/>
+              </a:lnSpc>
+              <a:spcBef>
+                <a:spcPts val="0"/>
+              </a:spcBef>
+              <a:spcAft>
+                <a:spcPts val="0"/>
+              </a:spcAft>
+              <a:buClrTx/>
+              <a:buSzTx/>
+              <a:buFontTx/>
+              <a:buNone/>
+              <a:tabLst/>
+              <a:defRPr/>
+            </a:pPr>
+            <a:r>
+              <a:rPr kumimoji="1" lang="ja-JP" altLang="en-US" dirty="0"/>
+              <a:t>”</a:t>
+            </a:r>
+            <a:r>
+              <a:rPr lang="en-US" altLang="ja-JP" b="1" i="0" dirty="0">
+                <a:solidFill>
+                  <a:srgbClr val="FFFFFF"/>
+                </a:solidFill>
+                <a:effectLst/>
+                <a:latin typeface="Merriweather Sans" pitchFamily="2" charset="0"/>
+              </a:rPr>
+              <a:t> </a:t>
+            </a:r>
+            <a:r>
+              <a:rPr lang="en-US" altLang="ja-JP" b="1" i="0" dirty="0" err="1">
+                <a:solidFill>
+                  <a:srgbClr val="FFFFFF"/>
+                </a:solidFill>
+                <a:effectLst/>
+                <a:latin typeface="Merriweather Sans" pitchFamily="2" charset="0"/>
+              </a:rPr>
+              <a:t>Chentsov’s</a:t>
+            </a:r>
+            <a:r>
+              <a:rPr lang="en-US" altLang="ja-JP" b="1" i="0" dirty="0">
+                <a:solidFill>
+                  <a:srgbClr val="FFFFFF"/>
+                </a:solidFill>
+                <a:effectLst/>
+                <a:latin typeface="Merriweather Sans" pitchFamily="2" charset="0"/>
+              </a:rPr>
+              <a:t> theorem for exponential families</a:t>
+            </a:r>
+            <a:r>
+              <a:rPr kumimoji="1" lang="ja-JP" altLang="en-US" b="1" i="0" dirty="0">
+                <a:solidFill>
+                  <a:srgbClr val="FFFFFF"/>
+                </a:solidFill>
+                <a:effectLst/>
+                <a:latin typeface="Merriweather Sans" pitchFamily="2" charset="0"/>
+              </a:rPr>
+              <a:t>“</a:t>
+            </a:r>
+            <a:endParaRPr kumimoji="1" lang="en-US" altLang="ja-JP" b="1" i="0" dirty="0">
+              <a:solidFill>
+                <a:srgbClr val="FFFFFF"/>
+              </a:solidFill>
+              <a:effectLst/>
+              <a:latin typeface="Merriweather Sans" pitchFamily="2" charset="0"/>
+            </a:endParaRPr>
+          </a:p>
+          <a:p>
+            <a:pPr marL="0" marR="0" lvl="0" indent="0" algn="l" defTabSz="914400" rtl="0" eaLnBrk="1" fontAlgn="auto" latinLnBrk="0" hangingPunct="1">
+              <a:lnSpc>
+                <a:spcPct val="100000"/>
+              </a:lnSpc>
+              <a:spcBef>
+                <a:spcPts val="0"/>
+              </a:spcBef>
+              <a:spcAft>
+                <a:spcPts val="0"/>
+              </a:spcAft>
+              <a:buClrTx/>
+              <a:buSzTx/>
+              <a:buFontTx/>
+              <a:buNone/>
+              <a:tabLst/>
+              <a:defRPr/>
+            </a:pPr>
+            <a:r>
+              <a:rPr lang="en-US" altLang="ja-JP" b="1" i="0" dirty="0">
+                <a:solidFill>
+                  <a:srgbClr val="FFFFFF"/>
+                </a:solidFill>
+                <a:effectLst/>
+                <a:latin typeface="Merriweather Sans" pitchFamily="2" charset="0"/>
+              </a:rPr>
+              <a:t>https://link.springer.com/article/10.1007/s41884-018-0006-4</a:t>
+            </a:r>
+          </a:p>
+        </p:txBody>
+      </p:sp>
+      <p:sp>
+        <p:nvSpPr>
+          <p:cNvPr id="4" name="Slide Number Placeholder 3"/>
+          <p:cNvSpPr>
+            <a:spLocks noGrp="1"/>
+          </p:cNvSpPr>
+          <p:nvPr>
+            <p:ph type="sldNum" sz="quarter" idx="5"/>
+          </p:nvPr>
+        </p:nvSpPr>
+        <p:spPr/>
+        <p:txBody>
+          <a:bodyPr/>
+          <a:lstStyle/>
+          <a:p>
+            <a:fld id="{7E527131-68F5-4A38-BF16-B5248DCE9B0A}" type="slidenum">
+              <a:rPr kumimoji="1" lang="ja-JP" altLang="en-US" smtClean="0"/>
+              <a:t>5</a:t>
+            </a:fld>
+            <a:endParaRPr kumimoji="1" lang="ja-JP" altLang="en-US"/>
+          </a:p>
+        </p:txBody>
+      </p:sp>
+    </p:spTree>
+    <p:extLst>
+      <p:ext uri="{BB962C8B-B14F-4D97-AF65-F5344CB8AC3E}">
+        <p14:creationId xmlns:p14="http://schemas.microsoft.com/office/powerpoint/2010/main" val="2745788654"/>
+      </p:ext>
+    </p:extLst>
+  </p:cSld>
+  <p:clrMapOvr>
+    <a:masterClrMapping/>
+  </p:clrMapOvr>
+</p:notes>
+</file>
+
 <file path=ppt/slideLayouts/slideLayout1.xml><?xml version="1.0" encoding="utf-8"?>
 <p:sldLayout xmlns:a="http://schemas.openxmlformats.org/drawingml/2006/main" xmlns:r="http://schemas.openxmlformats.org/officeDocument/2006/relationships" xmlns:p="http://schemas.openxmlformats.org/presentationml/2006/main" type="title" preserve="1">
   <p:cSld name="Title Slide">
@@ -860,7 +1259,7 @@
           <a:p>
             <a:fld id="{210C792A-0E3B-4137-8011-26F2C5F1C214}" type="datetimeFigureOut">
               <a:rPr kumimoji="1" lang="ja-JP" altLang="en-US" smtClean="0"/>
-              <a:t>2025/4/9</a:t>
+              <a:t>2025/4/16</a:t>
             </a:fld>
             <a:endParaRPr kumimoji="1" lang="ja-JP" altLang="en-US"/>
           </a:p>
@@ -1060,7 +1459,7 @@
           <a:p>
             <a:fld id="{210C792A-0E3B-4137-8011-26F2C5F1C214}" type="datetimeFigureOut">
               <a:rPr kumimoji="1" lang="ja-JP" altLang="en-US" smtClean="0"/>
-              <a:t>2025/4/9</a:t>
+              <a:t>2025/4/16</a:t>
             </a:fld>
             <a:endParaRPr kumimoji="1" lang="ja-JP" altLang="en-US"/>
           </a:p>
@@ -1270,7 +1669,7 @@
           <a:p>
             <a:fld id="{210C792A-0E3B-4137-8011-26F2C5F1C214}" type="datetimeFigureOut">
               <a:rPr kumimoji="1" lang="ja-JP" altLang="en-US" smtClean="0"/>
-              <a:t>2025/4/9</a:t>
+              <a:t>2025/4/16</a:t>
             </a:fld>
             <a:endParaRPr kumimoji="1" lang="ja-JP" altLang="en-US"/>
           </a:p>
@@ -1470,7 +1869,7 @@
           <a:p>
             <a:fld id="{210C792A-0E3B-4137-8011-26F2C5F1C214}" type="datetimeFigureOut">
               <a:rPr kumimoji="1" lang="ja-JP" altLang="en-US" smtClean="0"/>
-              <a:t>2025/4/9</a:t>
+              <a:t>2025/4/16</a:t>
             </a:fld>
             <a:endParaRPr kumimoji="1" lang="ja-JP" altLang="en-US"/>
           </a:p>
@@ -1746,7 +2145,7 @@
           <a:p>
             <a:fld id="{210C792A-0E3B-4137-8011-26F2C5F1C214}" type="datetimeFigureOut">
               <a:rPr kumimoji="1" lang="ja-JP" altLang="en-US" smtClean="0"/>
-              <a:t>2025/4/9</a:t>
+              <a:t>2025/4/16</a:t>
             </a:fld>
             <a:endParaRPr kumimoji="1" lang="ja-JP" altLang="en-US"/>
           </a:p>
@@ -2014,7 +2413,7 @@
           <a:p>
             <a:fld id="{210C792A-0E3B-4137-8011-26F2C5F1C214}" type="datetimeFigureOut">
               <a:rPr kumimoji="1" lang="ja-JP" altLang="en-US" smtClean="0"/>
-              <a:t>2025/4/9</a:t>
+              <a:t>2025/4/16</a:t>
             </a:fld>
             <a:endParaRPr kumimoji="1" lang="ja-JP" altLang="en-US"/>
           </a:p>
@@ -2429,7 +2828,7 @@
           <a:p>
             <a:fld id="{210C792A-0E3B-4137-8011-26F2C5F1C214}" type="datetimeFigureOut">
               <a:rPr kumimoji="1" lang="ja-JP" altLang="en-US" smtClean="0"/>
-              <a:t>2025/4/9</a:t>
+              <a:t>2025/4/16</a:t>
             </a:fld>
             <a:endParaRPr kumimoji="1" lang="ja-JP" altLang="en-US"/>
           </a:p>
@@ -2571,7 +2970,7 @@
           <a:p>
             <a:fld id="{210C792A-0E3B-4137-8011-26F2C5F1C214}" type="datetimeFigureOut">
               <a:rPr kumimoji="1" lang="ja-JP" altLang="en-US" smtClean="0"/>
-              <a:t>2025/4/9</a:t>
+              <a:t>2025/4/16</a:t>
             </a:fld>
             <a:endParaRPr kumimoji="1" lang="ja-JP" altLang="en-US"/>
           </a:p>
@@ -2684,7 +3083,7 @@
           <a:p>
             <a:fld id="{210C792A-0E3B-4137-8011-26F2C5F1C214}" type="datetimeFigureOut">
               <a:rPr kumimoji="1" lang="ja-JP" altLang="en-US" smtClean="0"/>
-              <a:t>2025/4/9</a:t>
+              <a:t>2025/4/16</a:t>
             </a:fld>
             <a:endParaRPr kumimoji="1" lang="ja-JP" altLang="en-US"/>
           </a:p>
@@ -2997,7 +3396,7 @@
           <a:p>
             <a:fld id="{210C792A-0E3B-4137-8011-26F2C5F1C214}" type="datetimeFigureOut">
               <a:rPr kumimoji="1" lang="ja-JP" altLang="en-US" smtClean="0"/>
-              <a:t>2025/4/9</a:t>
+              <a:t>2025/4/16</a:t>
             </a:fld>
             <a:endParaRPr kumimoji="1" lang="ja-JP" altLang="en-US"/>
           </a:p>
@@ -3286,7 +3685,7 @@
           <a:p>
             <a:fld id="{210C792A-0E3B-4137-8011-26F2C5F1C214}" type="datetimeFigureOut">
               <a:rPr kumimoji="1" lang="ja-JP" altLang="en-US" smtClean="0"/>
-              <a:t>2025/4/9</a:t>
+              <a:t>2025/4/16</a:t>
             </a:fld>
             <a:endParaRPr kumimoji="1" lang="ja-JP" altLang="en-US"/>
           </a:p>
@@ -3529,7 +3928,7 @@
           <a:p>
             <a:fld id="{210C792A-0E3B-4137-8011-26F2C5F1C214}" type="datetimeFigureOut">
               <a:rPr kumimoji="1" lang="ja-JP" altLang="en-US" smtClean="0"/>
-              <a:t>2025/4/9</a:t>
+              <a:t>2025/4/16</a:t>
             </a:fld>
             <a:endParaRPr kumimoji="1" lang="ja-JP" altLang="en-US"/>
           </a:p>
@@ -4526,6 +4925,430 @@
     <p:extLst>
       <p:ext uri="{BB962C8B-B14F-4D97-AF65-F5344CB8AC3E}">
         <p14:creationId xmlns:p14="http://schemas.microsoft.com/office/powerpoint/2010/main" val="295803890"/>
+      </p:ext>
+    </p:extLst>
+  </p:cSld>
+  <p:clrMapOvr>
+    <a:masterClrMapping/>
+  </p:clrMapOvr>
+</p:sld>
+</file>
+
+<file path=ppt/slides/slide4.xml><?xml version="1.0" encoding="utf-8"?>
+<p:sld xmlns:a="http://schemas.openxmlformats.org/drawingml/2006/main" xmlns:r="http://schemas.openxmlformats.org/officeDocument/2006/relationships" xmlns:p="http://schemas.openxmlformats.org/presentationml/2006/main">
+  <p:cSld>
+    <p:spTree>
+      <p:nvGrpSpPr>
+        <p:cNvPr id="1" name=""/>
+        <p:cNvGrpSpPr/>
+        <p:nvPr/>
+      </p:nvGrpSpPr>
+      <p:grpSpPr>
+        <a:xfrm>
+          <a:off x="0" y="0"/>
+          <a:ext cx="0" cy="0"/>
+          <a:chOff x="0" y="0"/>
+          <a:chExt cx="0" cy="0"/>
+        </a:xfrm>
+      </p:grpSpPr>
+      <p:sp>
+        <p:nvSpPr>
+          <p:cNvPr id="2" name="Title 1">
+            <a:extLst>
+              <a:ext uri="{FF2B5EF4-FFF2-40B4-BE49-F238E27FC236}">
+                <a16:creationId xmlns:a16="http://schemas.microsoft.com/office/drawing/2014/main" id="{2504E57E-9F68-FCE8-AA2D-95A88FC7B993}"/>
+              </a:ext>
+            </a:extLst>
+          </p:cNvPr>
+          <p:cNvSpPr>
+            <a:spLocks noGrp="1"/>
+          </p:cNvSpPr>
+          <p:nvPr>
+            <p:ph type="title"/>
+          </p:nvPr>
+        </p:nvSpPr>
+        <p:spPr/>
+        <p:txBody>
+          <a:bodyPr/>
+          <a:lstStyle/>
+          <a:p>
+            <a:endParaRPr kumimoji="1" lang="ja-JP" altLang="en-US"/>
+          </a:p>
+        </p:txBody>
+      </p:sp>
+      <p:sp>
+        <p:nvSpPr>
+          <p:cNvPr id="3" name="Content Placeholder 2">
+            <a:extLst>
+              <a:ext uri="{FF2B5EF4-FFF2-40B4-BE49-F238E27FC236}">
+                <a16:creationId xmlns:a16="http://schemas.microsoft.com/office/drawing/2014/main" id="{3D9EB806-C3B8-B74B-4DBE-1683772BA912}"/>
+              </a:ext>
+            </a:extLst>
+          </p:cNvPr>
+          <p:cNvSpPr>
+            <a:spLocks noGrp="1"/>
+          </p:cNvSpPr>
+          <p:nvPr>
+            <p:ph idx="1"/>
+          </p:nvPr>
+        </p:nvSpPr>
+        <p:spPr/>
+        <p:txBody>
+          <a:bodyPr/>
+          <a:lstStyle/>
+          <a:p>
+            <a:endParaRPr kumimoji="1" lang="ja-JP" altLang="en-US"/>
+          </a:p>
+        </p:txBody>
+      </p:sp>
+      <p:pic>
+        <p:nvPicPr>
+          <p:cNvPr id="5" name="Picture 4">
+            <a:extLst>
+              <a:ext uri="{FF2B5EF4-FFF2-40B4-BE49-F238E27FC236}">
+                <a16:creationId xmlns:a16="http://schemas.microsoft.com/office/drawing/2014/main" id="{8C8B510B-6891-0F48-D709-F30243B6CF41}"/>
+              </a:ext>
+            </a:extLst>
+          </p:cNvPr>
+          <p:cNvPicPr>
+            <a:picLocks noChangeAspect="1"/>
+          </p:cNvPicPr>
+          <p:nvPr/>
+        </p:nvPicPr>
+        <p:blipFill>
+          <a:blip r:embed="rId3"/>
+          <a:stretch>
+            <a:fillRect/>
+          </a:stretch>
+        </p:blipFill>
+        <p:spPr>
+          <a:xfrm>
+            <a:off x="497052" y="0"/>
+            <a:ext cx="7568005" cy="6858000"/>
+          </a:xfrm>
+          <a:prstGeom prst="rect">
+            <a:avLst/>
+          </a:prstGeom>
+        </p:spPr>
+      </p:pic>
+      <p:pic>
+        <p:nvPicPr>
+          <p:cNvPr id="6" name="Picture 5">
+            <a:extLst>
+              <a:ext uri="{FF2B5EF4-FFF2-40B4-BE49-F238E27FC236}">
+                <a16:creationId xmlns:a16="http://schemas.microsoft.com/office/drawing/2014/main" id="{9460937B-B052-6053-609B-DF3FC26A4C30}"/>
+              </a:ext>
+            </a:extLst>
+          </p:cNvPr>
+          <p:cNvPicPr>
+            <a:picLocks noChangeAspect="1"/>
+          </p:cNvPicPr>
+          <p:nvPr/>
+        </p:nvPicPr>
+        <p:blipFill>
+          <a:blip r:embed="rId4"/>
+          <a:stretch>
+            <a:fillRect/>
+          </a:stretch>
+        </p:blipFill>
+        <p:spPr>
+          <a:xfrm>
+            <a:off x="10647651" y="131660"/>
+            <a:ext cx="1343025" cy="2076450"/>
+          </a:xfrm>
+          <a:prstGeom prst="rect">
+            <a:avLst/>
+          </a:prstGeom>
+        </p:spPr>
+      </p:pic>
+      <p:sp>
+        <p:nvSpPr>
+          <p:cNvPr id="7" name="TextBox 6">
+            <a:extLst>
+              <a:ext uri="{FF2B5EF4-FFF2-40B4-BE49-F238E27FC236}">
+                <a16:creationId xmlns:a16="http://schemas.microsoft.com/office/drawing/2014/main" id="{7D8CE241-B506-50DD-878F-078A5AA1FEDA}"/>
+              </a:ext>
+            </a:extLst>
+          </p:cNvPr>
+          <p:cNvSpPr txBox="1"/>
+          <p:nvPr/>
+        </p:nvSpPr>
+        <p:spPr>
+          <a:xfrm>
+            <a:off x="10757646" y="2441575"/>
+            <a:ext cx="1233030" cy="923330"/>
+          </a:xfrm>
+          <a:prstGeom prst="rect">
+            <a:avLst/>
+          </a:prstGeom>
+          <a:noFill/>
+        </p:spPr>
+        <p:txBody>
+          <a:bodyPr wrap="none" rtlCol="0">
+            <a:spAutoFit/>
+          </a:bodyPr>
+          <a:lstStyle/>
+          <a:p>
+            <a:r>
+              <a:rPr kumimoji="1" lang="en-US" altLang="ja-JP" b="1" dirty="0">
+                <a:solidFill>
+                  <a:schemeClr val="accent6"/>
+                </a:solidFill>
+              </a:rPr>
+              <a:t>Volume 1</a:t>
+            </a:r>
+          </a:p>
+          <a:p>
+            <a:r>
+              <a:rPr kumimoji="1" lang="en-US" altLang="ja-JP" b="1" dirty="0">
+                <a:solidFill>
+                  <a:schemeClr val="accent6"/>
+                </a:solidFill>
+              </a:rPr>
+              <a:t>Issue 1</a:t>
+            </a:r>
+          </a:p>
+          <a:p>
+            <a:r>
+              <a:rPr lang="en-US" altLang="ja-JP" b="1" dirty="0">
+                <a:solidFill>
+                  <a:schemeClr val="accent6"/>
+                </a:solidFill>
+              </a:rPr>
+              <a:t>Article </a:t>
+            </a:r>
+            <a:r>
+              <a:rPr lang="ja-JP" altLang="en-US" b="1" dirty="0">
+                <a:solidFill>
+                  <a:schemeClr val="accent6"/>
+                </a:solidFill>
+              </a:rPr>
+              <a:t>３</a:t>
+            </a:r>
+            <a:endParaRPr kumimoji="1" lang="ja-JP" altLang="en-US" b="1" dirty="0">
+              <a:solidFill>
+                <a:schemeClr val="accent6"/>
+              </a:solidFill>
+            </a:endParaRPr>
+          </a:p>
+        </p:txBody>
+      </p:sp>
+    </p:spTree>
+    <p:extLst>
+      <p:ext uri="{BB962C8B-B14F-4D97-AF65-F5344CB8AC3E}">
+        <p14:creationId xmlns:p14="http://schemas.microsoft.com/office/powerpoint/2010/main" val="218523514"/>
+      </p:ext>
+    </p:extLst>
+  </p:cSld>
+  <p:clrMapOvr>
+    <a:masterClrMapping/>
+  </p:clrMapOvr>
+</p:sld>
+</file>
+
+<file path=ppt/slides/slide5.xml><?xml version="1.0" encoding="utf-8"?>
+<p:sld xmlns:a="http://schemas.openxmlformats.org/drawingml/2006/main" xmlns:r="http://schemas.openxmlformats.org/officeDocument/2006/relationships" xmlns:p="http://schemas.openxmlformats.org/presentationml/2006/main">
+  <p:cSld>
+    <p:spTree>
+      <p:nvGrpSpPr>
+        <p:cNvPr id="1" name=""/>
+        <p:cNvGrpSpPr/>
+        <p:nvPr/>
+      </p:nvGrpSpPr>
+      <p:grpSpPr>
+        <a:xfrm>
+          <a:off x="0" y="0"/>
+          <a:ext cx="0" cy="0"/>
+          <a:chOff x="0" y="0"/>
+          <a:chExt cx="0" cy="0"/>
+        </a:xfrm>
+      </p:grpSpPr>
+      <p:sp>
+        <p:nvSpPr>
+          <p:cNvPr id="2" name="Title 1">
+            <a:extLst>
+              <a:ext uri="{FF2B5EF4-FFF2-40B4-BE49-F238E27FC236}">
+                <a16:creationId xmlns:a16="http://schemas.microsoft.com/office/drawing/2014/main" id="{19AC50E2-0077-C47F-F72B-74AD1DC61DAA}"/>
+              </a:ext>
+            </a:extLst>
+          </p:cNvPr>
+          <p:cNvSpPr>
+            <a:spLocks noGrp="1"/>
+          </p:cNvSpPr>
+          <p:nvPr>
+            <p:ph type="title"/>
+          </p:nvPr>
+        </p:nvSpPr>
+        <p:spPr/>
+        <p:txBody>
+          <a:bodyPr/>
+          <a:lstStyle/>
+          <a:p>
+            <a:endParaRPr kumimoji="1" lang="ja-JP" altLang="en-US"/>
+          </a:p>
+        </p:txBody>
+      </p:sp>
+      <p:sp>
+        <p:nvSpPr>
+          <p:cNvPr id="3" name="Content Placeholder 2">
+            <a:extLst>
+              <a:ext uri="{FF2B5EF4-FFF2-40B4-BE49-F238E27FC236}">
+                <a16:creationId xmlns:a16="http://schemas.microsoft.com/office/drawing/2014/main" id="{E78770C2-8FF3-3061-DF80-5C0FE0CD3468}"/>
+              </a:ext>
+            </a:extLst>
+          </p:cNvPr>
+          <p:cNvSpPr>
+            <a:spLocks noGrp="1"/>
+          </p:cNvSpPr>
+          <p:nvPr>
+            <p:ph idx="1"/>
+          </p:nvPr>
+        </p:nvSpPr>
+        <p:spPr/>
+        <p:txBody>
+          <a:bodyPr/>
+          <a:lstStyle/>
+          <a:p>
+            <a:endParaRPr kumimoji="1" lang="ja-JP" altLang="en-US" dirty="0"/>
+          </a:p>
+        </p:txBody>
+      </p:sp>
+      <p:pic>
+        <p:nvPicPr>
+          <p:cNvPr id="4" name="Picture 3">
+            <a:extLst>
+              <a:ext uri="{FF2B5EF4-FFF2-40B4-BE49-F238E27FC236}">
+                <a16:creationId xmlns:a16="http://schemas.microsoft.com/office/drawing/2014/main" id="{ABEE26C7-5B1D-13F6-4CD8-76DC37238520}"/>
+              </a:ext>
+            </a:extLst>
+          </p:cNvPr>
+          <p:cNvPicPr>
+            <a:picLocks noChangeAspect="1"/>
+          </p:cNvPicPr>
+          <p:nvPr/>
+        </p:nvPicPr>
+        <p:blipFill>
+          <a:blip r:embed="rId3"/>
+          <a:stretch>
+            <a:fillRect/>
+          </a:stretch>
+        </p:blipFill>
+        <p:spPr>
+          <a:xfrm>
+            <a:off x="10647651" y="131660"/>
+            <a:ext cx="1343025" cy="2076450"/>
+          </a:xfrm>
+          <a:prstGeom prst="rect">
+            <a:avLst/>
+          </a:prstGeom>
+        </p:spPr>
+      </p:pic>
+      <p:sp>
+        <p:nvSpPr>
+          <p:cNvPr id="5" name="TextBox 4">
+            <a:extLst>
+              <a:ext uri="{FF2B5EF4-FFF2-40B4-BE49-F238E27FC236}">
+                <a16:creationId xmlns:a16="http://schemas.microsoft.com/office/drawing/2014/main" id="{91D712C1-558D-C62E-44B1-8AC7C9FE0E0F}"/>
+              </a:ext>
+            </a:extLst>
+          </p:cNvPr>
+          <p:cNvSpPr txBox="1"/>
+          <p:nvPr/>
+        </p:nvSpPr>
+        <p:spPr>
+          <a:xfrm>
+            <a:off x="10757646" y="2441575"/>
+            <a:ext cx="1233030" cy="923330"/>
+          </a:xfrm>
+          <a:prstGeom prst="rect">
+            <a:avLst/>
+          </a:prstGeom>
+          <a:noFill/>
+        </p:spPr>
+        <p:txBody>
+          <a:bodyPr wrap="none" rtlCol="0">
+            <a:spAutoFit/>
+          </a:bodyPr>
+          <a:lstStyle/>
+          <a:p>
+            <a:r>
+              <a:rPr kumimoji="1" lang="en-US" altLang="ja-JP" b="1" dirty="0">
+                <a:solidFill>
+                  <a:schemeClr val="accent6"/>
+                </a:solidFill>
+              </a:rPr>
+              <a:t>Volume 1</a:t>
+            </a:r>
+          </a:p>
+          <a:p>
+            <a:r>
+              <a:rPr kumimoji="1" lang="en-US" altLang="ja-JP" b="1" dirty="0">
+                <a:solidFill>
+                  <a:schemeClr val="accent6"/>
+                </a:solidFill>
+              </a:rPr>
+              <a:t>Issue 1</a:t>
+            </a:r>
+          </a:p>
+          <a:p>
+            <a:r>
+              <a:rPr lang="en-US" altLang="ja-JP" b="1" dirty="0">
+                <a:solidFill>
+                  <a:schemeClr val="accent6"/>
+                </a:solidFill>
+              </a:rPr>
+              <a:t>Article </a:t>
+            </a:r>
+            <a:r>
+              <a:rPr lang="ja-JP" altLang="en-US" b="1" dirty="0">
+                <a:solidFill>
+                  <a:schemeClr val="accent6"/>
+                </a:solidFill>
+              </a:rPr>
+              <a:t>４</a:t>
+            </a:r>
+            <a:endParaRPr kumimoji="1" lang="ja-JP" altLang="en-US" b="1" dirty="0">
+              <a:solidFill>
+                <a:schemeClr val="accent6"/>
+              </a:solidFill>
+            </a:endParaRPr>
+          </a:p>
+        </p:txBody>
+      </p:sp>
+      <p:pic>
+        <p:nvPicPr>
+          <p:cNvPr id="7" name="Picture 6">
+            <a:extLst>
+              <a:ext uri="{FF2B5EF4-FFF2-40B4-BE49-F238E27FC236}">
+                <a16:creationId xmlns:a16="http://schemas.microsoft.com/office/drawing/2014/main" id="{AB263784-1A7C-F2FC-495F-2EA1F4EEA873}"/>
+              </a:ext>
+            </a:extLst>
+          </p:cNvPr>
+          <p:cNvPicPr>
+            <a:picLocks noChangeAspect="1"/>
+          </p:cNvPicPr>
+          <p:nvPr/>
+        </p:nvPicPr>
+        <p:blipFill>
+          <a:blip r:embed="rId4"/>
+          <a:stretch>
+            <a:fillRect/>
+          </a:stretch>
+        </p:blipFill>
+        <p:spPr>
+          <a:xfrm>
+            <a:off x="201324" y="0"/>
+            <a:ext cx="8350415" cy="6858000"/>
+          </a:xfrm>
+          <a:prstGeom prst="rect">
+            <a:avLst/>
+          </a:prstGeom>
+        </p:spPr>
+      </p:pic>
+    </p:spTree>
+    <p:extLst>
+      <p:ext uri="{BB962C8B-B14F-4D97-AF65-F5344CB8AC3E}">
+        <p14:creationId xmlns:p14="http://schemas.microsoft.com/office/powerpoint/2010/main" val="2056214485"/>
       </p:ext>
     </p:extLst>
   </p:cSld>
